--- a/docs/Sprint 1.pptx
+++ b/docs/Sprint 1.pptx
@@ -4551,13 +4551,13 @@
           <p:nvPr>
             <p:extLst>
               <p:ext uri="{D42A27DB-BD31-4B8C-83A1-F6EECF244321}">
-                <p14:modId xmlns:p14="http://schemas.microsoft.com/office/powerpoint/2010/main" val="4115843025"/>
+                <p14:modId xmlns:p14="http://schemas.microsoft.com/office/powerpoint/2010/main" val="3075468478"/>
               </p:ext>
             </p:extLst>
           </p:nvPr>
         </p:nvGraphicFramePr>
         <p:xfrm>
-          <a:off x="2032000" y="2069494"/>
+          <a:off x="2032000" y="1690688"/>
           <a:ext cx="8127999" cy="4246880"/>
         </p:xfrm>
         <a:graphic>
@@ -5053,6 +5053,41 @@
           </a:graphicData>
         </a:graphic>
       </p:graphicFrame>
+      <p:sp>
+        <p:nvSpPr>
+          <p:cNvPr id="5" name="TextBox 4">
+            <a:extLst>
+              <a:ext uri="{FF2B5EF4-FFF2-40B4-BE49-F238E27FC236}">
+                <a16:creationId xmlns:a16="http://schemas.microsoft.com/office/drawing/2014/main" id="{232585DC-6088-85C9-6B15-5F7F90478C98}"/>
+              </a:ext>
+            </a:extLst>
+          </p:cNvPr>
+          <p:cNvSpPr txBox="1"/>
+          <p:nvPr/>
+        </p:nvSpPr>
+        <p:spPr>
+          <a:xfrm>
+            <a:off x="2474685" y="6123543"/>
+            <a:ext cx="7500257" cy="369332"/>
+          </a:xfrm>
+          <a:prstGeom prst="rect">
+            <a:avLst/>
+          </a:prstGeom>
+          <a:noFill/>
+        </p:spPr>
+        <p:txBody>
+          <a:bodyPr wrap="square" rtlCol="0">
+            <a:spAutoFit/>
+          </a:bodyPr>
+          <a:lstStyle/>
+          <a:p>
+            <a:r>
+              <a:rPr lang="en-US" dirty="0"/>
+              <a:t>One concern for data quality is that there are 203 duplicates.  </a:t>
+            </a:r>
+          </a:p>
+        </p:txBody>
+      </p:sp>
     </p:spTree>
     <p:extLst>
       <p:ext uri="{BB962C8B-B14F-4D97-AF65-F5344CB8AC3E}">
@@ -5111,12 +5146,164 @@
           </a:p>
         </p:txBody>
       </p:sp>
+      <p:sp>
+        <p:nvSpPr>
+          <p:cNvPr id="8" name="Text Placeholder 7">
+            <a:extLst>
+              <a:ext uri="{FF2B5EF4-FFF2-40B4-BE49-F238E27FC236}">
+                <a16:creationId xmlns:a16="http://schemas.microsoft.com/office/drawing/2014/main" id="{9301329F-9EFB-9DCE-632E-E30F958BD602}"/>
+              </a:ext>
+            </a:extLst>
+          </p:cNvPr>
+          <p:cNvSpPr>
+            <a:spLocks noGrp="1"/>
+          </p:cNvSpPr>
+          <p:nvPr>
+            <p:ph type="body" sz="half" idx="2"/>
+          </p:nvPr>
+        </p:nvSpPr>
+        <p:spPr>
+          <a:xfrm>
+            <a:off x="839788" y="2830284"/>
+            <a:ext cx="3932237" cy="2723017"/>
+          </a:xfrm>
+        </p:spPr>
+        <p:txBody>
+          <a:bodyPr>
+            <a:normAutofit fontScale="77500" lnSpcReduction="20000"/>
+          </a:bodyPr>
+          <a:lstStyle/>
+          <a:p>
+            <a:pPr>
+              <a:lnSpc>
+                <a:spcPct val="100000"/>
+              </a:lnSpc>
+            </a:pPr>
+            <a:endParaRPr lang="en-US" dirty="0"/>
+          </a:p>
+          <a:p>
+            <a:pPr marL="285750" indent="-285750">
+              <a:lnSpc>
+                <a:spcPct val="100000"/>
+              </a:lnSpc>
+              <a:buFont typeface="Arial" panose="020B0604020202020204" pitchFamily="34" charset="0"/>
+              <a:buChar char="•"/>
+            </a:pPr>
+            <a:r>
+              <a:rPr lang="en-US" dirty="0"/>
+              <a:t>There seems to be a strong and positive correlation between the following columns: </a:t>
+            </a:r>
+          </a:p>
+          <a:p>
+            <a:pPr marL="742950" lvl="1" indent="-285750">
+              <a:lnSpc>
+                <a:spcPct val="100000"/>
+              </a:lnSpc>
+              <a:buFont typeface="Arial" panose="020B0604020202020204" pitchFamily="34" charset="0"/>
+              <a:buChar char="•"/>
+            </a:pPr>
+            <a:r>
+              <a:rPr lang="en-US" sz="1600" b="1" dirty="0"/>
+              <a:t>Sold (Qty)</a:t>
+            </a:r>
+          </a:p>
+          <a:p>
+            <a:pPr marL="742950" lvl="1" indent="-285750">
+              <a:lnSpc>
+                <a:spcPct val="100000"/>
+              </a:lnSpc>
+              <a:buFont typeface="Arial" panose="020B0604020202020204" pitchFamily="34" charset="0"/>
+              <a:buChar char="•"/>
+            </a:pPr>
+            <a:r>
+              <a:rPr lang="en-US" sz="1600" b="1" dirty="0"/>
+              <a:t>Produced(Qty)</a:t>
+            </a:r>
+          </a:p>
+          <a:p>
+            <a:pPr marL="742950" lvl="1" indent="-285750">
+              <a:lnSpc>
+                <a:spcPct val="100000"/>
+              </a:lnSpc>
+              <a:buFont typeface="Arial" panose="020B0604020202020204" pitchFamily="34" charset="0"/>
+              <a:buChar char="•"/>
+            </a:pPr>
+            <a:r>
+              <a:rPr lang="en-US" sz="1600" b="1" dirty="0"/>
+              <a:t>Waste(Qty)</a:t>
+            </a:r>
+          </a:p>
+          <a:p>
+            <a:pPr marL="742950" lvl="1" indent="-285750">
+              <a:lnSpc>
+                <a:spcPct val="100000"/>
+              </a:lnSpc>
+              <a:buFont typeface="Arial" panose="020B0604020202020204" pitchFamily="34" charset="0"/>
+              <a:buChar char="•"/>
+            </a:pPr>
+            <a:r>
+              <a:rPr lang="en-US" sz="1600" b="1" dirty="0"/>
+              <a:t>Revenue/ Profit</a:t>
+            </a:r>
+          </a:p>
+          <a:p>
+            <a:pPr marL="285750" indent="-285750">
+              <a:lnSpc>
+                <a:spcPct val="100000"/>
+              </a:lnSpc>
+              <a:buFont typeface="Arial" panose="020B0604020202020204" pitchFamily="34" charset="0"/>
+              <a:buChar char="•"/>
+            </a:pPr>
+            <a:r>
+              <a:rPr lang="en-US" sz="1800" dirty="0"/>
+              <a:t>There is a slight negative correlation between </a:t>
+            </a:r>
+            <a:r>
+              <a:rPr lang="en-US" sz="1800" b="1" dirty="0"/>
+              <a:t>Rain? </a:t>
+            </a:r>
+            <a:r>
+              <a:rPr lang="en-US" sz="1800" dirty="0"/>
+              <a:t>column and the </a:t>
+            </a:r>
+            <a:r>
+              <a:rPr lang="en-US" sz="1800" b="1" dirty="0"/>
+              <a:t>Temperature (Avg.) </a:t>
+            </a:r>
+            <a:r>
+              <a:rPr lang="en-US" sz="1800" dirty="0"/>
+              <a:t>column. </a:t>
+            </a:r>
+          </a:p>
+          <a:p>
+            <a:pPr marL="285750" indent="-285750">
+              <a:lnSpc>
+                <a:spcPct val="100000"/>
+              </a:lnSpc>
+              <a:buFont typeface="Arial" panose="020B0604020202020204" pitchFamily="34" charset="0"/>
+              <a:buChar char="•"/>
+            </a:pPr>
+            <a:r>
+              <a:rPr lang="en-US" sz="1800" dirty="0"/>
+              <a:t>Slices wasted have a weak negative correlation with Temperature.</a:t>
+            </a:r>
+          </a:p>
+          <a:p>
+            <a:pPr>
+              <a:lnSpc>
+                <a:spcPct val="100000"/>
+              </a:lnSpc>
+            </a:pPr>
+            <a:endParaRPr lang="en-US" sz="1800" dirty="0"/>
+          </a:p>
+        </p:txBody>
+      </p:sp>
       <p:pic>
         <p:nvPicPr>
-          <p:cNvPr id="7" name="Content Placeholder 6" descr="A diagram of a graph&#10;&#10;Description automatically generated with medium confidence">
-            <a:extLst>
-              <a:ext uri="{FF2B5EF4-FFF2-40B4-BE49-F238E27FC236}">
-                <a16:creationId xmlns:a16="http://schemas.microsoft.com/office/drawing/2014/main" id="{09590E64-7D99-BB54-98D5-F0A35974420F}"/>
+          <p:cNvPr id="13" name="Content Placeholder 12" descr="A diagram of a graph&#10;&#10;Description automatically generated with medium confidence">
+            <a:extLst>
+              <a:ext uri="{FF2B5EF4-FFF2-40B4-BE49-F238E27FC236}">
+                <a16:creationId xmlns:a16="http://schemas.microsoft.com/office/drawing/2014/main" id="{FB462C52-6D94-461D-495D-56C16C87E737}"/>
               </a:ext>
             </a:extLst>
           </p:cNvPr>
@@ -5135,103 +5322,11 @@
         </p:blipFill>
         <p:spPr>
           <a:xfrm>
-            <a:off x="5871015" y="1709057"/>
-            <a:ext cx="4883632" cy="4598307"/>
+            <a:off x="5993963" y="1754979"/>
+            <a:ext cx="4833677" cy="4873625"/>
           </a:xfrm>
         </p:spPr>
       </p:pic>
-      <p:sp>
-        <p:nvSpPr>
-          <p:cNvPr id="8" name="Text Placeholder 7">
-            <a:extLst>
-              <a:ext uri="{FF2B5EF4-FFF2-40B4-BE49-F238E27FC236}">
-                <a16:creationId xmlns:a16="http://schemas.microsoft.com/office/drawing/2014/main" id="{9301329F-9EFB-9DCE-632E-E30F958BD602}"/>
-              </a:ext>
-            </a:extLst>
-          </p:cNvPr>
-          <p:cNvSpPr>
-            <a:spLocks noGrp="1"/>
-          </p:cNvSpPr>
-          <p:nvPr>
-            <p:ph type="body" sz="half" idx="2"/>
-          </p:nvPr>
-        </p:nvSpPr>
-        <p:spPr>
-          <a:xfrm>
-            <a:off x="839788" y="2830284"/>
-            <a:ext cx="3932237" cy="2723017"/>
-          </a:xfrm>
-        </p:spPr>
-        <p:txBody>
-          <a:bodyPr/>
-          <a:lstStyle/>
-          <a:p>
-            <a:pPr marL="285750" indent="-285750">
-              <a:lnSpc>
-                <a:spcPct val="100000"/>
-              </a:lnSpc>
-              <a:buFont typeface="Arial" panose="020B0604020202020204" pitchFamily="34" charset="0"/>
-              <a:buChar char="•"/>
-            </a:pPr>
-            <a:r>
-              <a:rPr lang="en-US" dirty="0"/>
-              <a:t>There seems to be a strong and positive correlation between the following columns: </a:t>
-            </a:r>
-          </a:p>
-          <a:p>
-            <a:pPr marL="742950" lvl="1" indent="-285750">
-              <a:lnSpc>
-                <a:spcPct val="100000"/>
-              </a:lnSpc>
-              <a:buFont typeface="Arial" panose="020B0604020202020204" pitchFamily="34" charset="0"/>
-              <a:buChar char="•"/>
-            </a:pPr>
-            <a:r>
-              <a:rPr lang="en-US" sz="1600" dirty="0"/>
-              <a:t>Sold (Qty)</a:t>
-            </a:r>
-          </a:p>
-          <a:p>
-            <a:pPr marL="742950" lvl="1" indent="-285750">
-              <a:lnSpc>
-                <a:spcPct val="100000"/>
-              </a:lnSpc>
-              <a:buFont typeface="Arial" panose="020B0604020202020204" pitchFamily="34" charset="0"/>
-              <a:buChar char="•"/>
-            </a:pPr>
-            <a:r>
-              <a:rPr lang="en-US" sz="1600" dirty="0"/>
-              <a:t>Produced(Qty)</a:t>
-            </a:r>
-          </a:p>
-          <a:p>
-            <a:pPr marL="742950" lvl="1" indent="-285750">
-              <a:lnSpc>
-                <a:spcPct val="100000"/>
-              </a:lnSpc>
-              <a:buFont typeface="Arial" panose="020B0604020202020204" pitchFamily="34" charset="0"/>
-              <a:buChar char="•"/>
-            </a:pPr>
-            <a:r>
-              <a:rPr lang="en-US" sz="1600" dirty="0"/>
-              <a:t>Waste(Qty)</a:t>
-            </a:r>
-          </a:p>
-          <a:p>
-            <a:pPr marL="742950" lvl="1" indent="-285750">
-              <a:lnSpc>
-                <a:spcPct val="100000"/>
-              </a:lnSpc>
-              <a:buFont typeface="Arial" panose="020B0604020202020204" pitchFamily="34" charset="0"/>
-              <a:buChar char="•"/>
-            </a:pPr>
-            <a:r>
-              <a:rPr lang="en-US" sz="1600" dirty="0"/>
-              <a:t>Revenue/ Profit</a:t>
-            </a:r>
-          </a:p>
-        </p:txBody>
-      </p:sp>
     </p:spTree>
     <p:extLst>
       <p:ext uri="{BB962C8B-B14F-4D97-AF65-F5344CB8AC3E}">
@@ -5376,19 +5471,6 @@
             </a:pPr>
             <a:r>
               <a:rPr lang="en-US" sz="1600" dirty="0"/>
-              <a:t>Revenue/ Profit</a:t>
-            </a:r>
-          </a:p>
-          <a:p>
-            <a:pPr marL="742950" lvl="1" indent="-285750">
-              <a:lnSpc>
-                <a:spcPct val="100000"/>
-              </a:lnSpc>
-              <a:buFont typeface="Arial" panose="020B0604020202020204" pitchFamily="34" charset="0"/>
-              <a:buChar char="•"/>
-            </a:pPr>
-            <a:r>
-              <a:rPr lang="en-US" sz="1600" dirty="0"/>
               <a:t>Produced (Qty)</a:t>
             </a:r>
           </a:p>
@@ -5442,8 +5524,8 @@
         </p:blipFill>
         <p:spPr>
           <a:xfrm>
-            <a:off x="6285464" y="446023"/>
-            <a:ext cx="4585020" cy="1444281"/>
+            <a:off x="6165529" y="566057"/>
+            <a:ext cx="5608765" cy="1600200"/>
           </a:xfrm>
           <a:prstGeom prst="rect">
             <a:avLst/>
@@ -5472,8 +5554,8 @@
         </p:blipFill>
         <p:spPr>
           <a:xfrm>
-            <a:off x="6211510" y="1959409"/>
-            <a:ext cx="4658974" cy="1444281"/>
+            <a:off x="6165530" y="2559642"/>
+            <a:ext cx="5608765" cy="1738716"/>
           </a:xfrm>
           <a:prstGeom prst="rect">
             <a:avLst/>
@@ -5482,10 +5564,10 @@
       </p:pic>
       <p:pic>
         <p:nvPicPr>
-          <p:cNvPr id="15" name="Picture 14" descr="A graph showing the growth of a company&#10;&#10;Description automatically generated">
-            <a:extLst>
-              <a:ext uri="{FF2B5EF4-FFF2-40B4-BE49-F238E27FC236}">
-                <a16:creationId xmlns:a16="http://schemas.microsoft.com/office/drawing/2014/main" id="{C455A681-45BE-4F75-A9AF-9F004C9B16A4}"/>
+          <p:cNvPr id="19" name="Picture 18" descr="A graph with a line&#10;&#10;Description automatically generated">
+            <a:extLst>
+              <a:ext uri="{FF2B5EF4-FFF2-40B4-BE49-F238E27FC236}">
+                <a16:creationId xmlns:a16="http://schemas.microsoft.com/office/drawing/2014/main" id="{9F3D4834-4C0E-549D-42C7-91F367A46866}"/>
               </a:ext>
             </a:extLst>
           </p:cNvPr>
@@ -5502,38 +5584,8 @@
         </p:blipFill>
         <p:spPr>
           <a:xfrm>
-            <a:off x="6173636" y="3472795"/>
-            <a:ext cx="4696847" cy="1444280"/>
-          </a:xfrm>
-          <a:prstGeom prst="rect">
-            <a:avLst/>
-          </a:prstGeom>
-        </p:spPr>
-      </p:pic>
-      <p:pic>
-        <p:nvPicPr>
-          <p:cNvPr id="19" name="Picture 18" descr="A graph with a line&#10;&#10;Description automatically generated">
-            <a:extLst>
-              <a:ext uri="{FF2B5EF4-FFF2-40B4-BE49-F238E27FC236}">
-                <a16:creationId xmlns:a16="http://schemas.microsoft.com/office/drawing/2014/main" id="{9F3D4834-4C0E-549D-42C7-91F367A46866}"/>
-              </a:ext>
-            </a:extLst>
-          </p:cNvPr>
-          <p:cNvPicPr>
-            <a:picLocks noChangeAspect="1"/>
-          </p:cNvPicPr>
-          <p:nvPr/>
-        </p:nvPicPr>
-        <p:blipFill>
-          <a:blip r:embed="rId5"/>
-          <a:stretch>
-            <a:fillRect/>
-          </a:stretch>
-        </p:blipFill>
-        <p:spPr>
-          <a:xfrm>
-            <a:off x="6096000" y="4986179"/>
-            <a:ext cx="4774483" cy="1444280"/>
+            <a:off x="6096000" y="4691743"/>
+            <a:ext cx="5747826" cy="1738716"/>
           </a:xfrm>
           <a:prstGeom prst="rect">
             <a:avLst/>

--- a/docs/Sprint 1.pptx
+++ b/docs/Sprint 1.pptx
@@ -4531,7 +4531,7 @@
           <a:p>
             <a:r>
               <a:rPr lang="en-US" dirty="0"/>
-              <a:t>Data Dictionary</a:t>
+              <a:t>Data</a:t>
             </a:r>
           </a:p>
         </p:txBody>
@@ -4551,7 +4551,7 @@
           <p:nvPr>
             <p:extLst>
               <p:ext uri="{D42A27DB-BD31-4B8C-83A1-F6EECF244321}">
-                <p14:modId xmlns:p14="http://schemas.microsoft.com/office/powerpoint/2010/main" val="3075468478"/>
+                <p14:modId xmlns:p14="http://schemas.microsoft.com/office/powerpoint/2010/main" val="1546449059"/>
               </p:ext>
             </p:extLst>
           </p:nvPr>
@@ -4945,7 +4945,7 @@
                     <a:p>
                       <a:r>
                         <a:rPr lang="en-US" dirty="0"/>
-                        <a:t>int64</a:t>
+                        <a:t>int64 (previously object)</a:t>
                       </a:r>
                     </a:p>
                   </a:txBody>
@@ -5067,8 +5067,8 @@
         </p:nvSpPr>
         <p:spPr>
           <a:xfrm>
-            <a:off x="2474685" y="6123543"/>
-            <a:ext cx="7500257" cy="369332"/>
+            <a:off x="2474685" y="6031210"/>
+            <a:ext cx="7500257" cy="923330"/>
           </a:xfrm>
           <a:prstGeom prst="rect">
             <a:avLst/>
@@ -5083,7 +5083,19 @@
           <a:p>
             <a:r>
               <a:rPr lang="en-US" dirty="0"/>
-              <a:t>One concern for data quality is that there are 203 duplicates.  </a:t>
+              <a:t>One concern for data quality is that there are 203 duplicates.</a:t>
+            </a:r>
+          </a:p>
+          <a:p>
+            <a:r>
+              <a:rPr lang="en-US" dirty="0"/>
+              <a:t>No seasonality feature. </a:t>
+            </a:r>
+          </a:p>
+          <a:p>
+            <a:r>
+              <a:rPr lang="en-US" dirty="0"/>
+              <a:t>  </a:t>
             </a:r>
           </a:p>
         </p:txBody>
@@ -5710,7 +5722,7 @@
         </p:spPr>
         <p:txBody>
           <a:bodyPr>
-            <a:normAutofit lnSpcReduction="10000"/>
+            <a:normAutofit fontScale="92500" lnSpcReduction="20000"/>
           </a:bodyPr>
           <a:lstStyle/>
           <a:p>
@@ -5733,6 +5745,17 @@
             <a:r>
               <a:rPr lang="en-US" dirty="0"/>
               <a:t>Explore feature engineering to create a column associated with the seasonality of sales. </a:t>
+            </a:r>
+          </a:p>
+          <a:p>
+            <a:pPr>
+              <a:lnSpc>
+                <a:spcPct val="100000"/>
+              </a:lnSpc>
+            </a:pPr>
+            <a:r>
+              <a:rPr lang="en-US" dirty="0"/>
+              <a:t>Continuing Exploratory Data Analysis within the context of time. </a:t>
             </a:r>
           </a:p>
           <a:p>
